--- a/Conclusiones Sharks.pptx
+++ b/Conclusiones Sharks.pptx
@@ -6,11 +6,12 @@
   </p:sldMasterIdLst>
   <p:sldIdLst>
     <p:sldId id="260" r:id="rId2"/>
-    <p:sldId id="264" r:id="rId3"/>
-    <p:sldId id="262" r:id="rId4"/>
-    <p:sldId id="263" r:id="rId5"/>
-    <p:sldId id="261" r:id="rId6"/>
-    <p:sldId id="265" r:id="rId7"/>
+    <p:sldId id="266" r:id="rId3"/>
+    <p:sldId id="264" r:id="rId4"/>
+    <p:sldId id="262" r:id="rId5"/>
+    <p:sldId id="263" r:id="rId6"/>
+    <p:sldId id="261" r:id="rId7"/>
+    <p:sldId id="265" r:id="rId8"/>
   </p:sldIdLst>
   <p:sldSz cx="12192000" cy="6858000"/>
   <p:notesSz cx="6858000" cy="9144000"/>
@@ -8142,9 +8143,7 @@
               <c:idx val="3"/>
               <c:delete val="1"/>
               <c:extLst>
-                <c:ext xmlns:c15="http://schemas.microsoft.com/office/drawing/2012/chart" uri="{CE6537A1-D6FC-4f65-9D91-7224C49458BB}">
-                  <c15:layout/>
-                </c:ext>
+                <c:ext xmlns:c15="http://schemas.microsoft.com/office/drawing/2012/chart" uri="{CE6537A1-D6FC-4f65-9D91-7224C49458BB}"/>
                 <c:ext xmlns:c16="http://schemas.microsoft.com/office/drawing/2014/chart" uri="{C3380CC4-5D6E-409C-BE32-E72D297353CC}">
                   <c16:uniqueId val="{00000007-FB8C-4E8F-B08B-D99E0706AF54}"/>
                 </c:ext>
@@ -8154,9 +8153,7 @@
               <c:idx val="4"/>
               <c:delete val="1"/>
               <c:extLst>
-                <c:ext xmlns:c15="http://schemas.microsoft.com/office/drawing/2012/chart" uri="{CE6537A1-D6FC-4f65-9D91-7224C49458BB}">
-                  <c15:layout/>
-                </c:ext>
+                <c:ext xmlns:c15="http://schemas.microsoft.com/office/drawing/2012/chart" uri="{CE6537A1-D6FC-4f65-9D91-7224C49458BB}"/>
                 <c:ext xmlns:c16="http://schemas.microsoft.com/office/drawing/2014/chart" uri="{C3380CC4-5D6E-409C-BE32-E72D297353CC}">
                   <c16:uniqueId val="{00000009-FB8C-4E8F-B08B-D99E0706AF54}"/>
                 </c:ext>
@@ -8166,9 +8163,7 @@
               <c:idx val="5"/>
               <c:delete val="1"/>
               <c:extLst>
-                <c:ext xmlns:c15="http://schemas.microsoft.com/office/drawing/2012/chart" uri="{CE6537A1-D6FC-4f65-9D91-7224C49458BB}">
-                  <c15:layout/>
-                </c:ext>
+                <c:ext xmlns:c15="http://schemas.microsoft.com/office/drawing/2012/chart" uri="{CE6537A1-D6FC-4f65-9D91-7224C49458BB}"/>
                 <c:ext xmlns:c16="http://schemas.microsoft.com/office/drawing/2014/chart" uri="{C3380CC4-5D6E-409C-BE32-E72D297353CC}">
                   <c16:uniqueId val="{0000000B-FB8C-4E8F-B08B-D99E0706AF54}"/>
                 </c:ext>
@@ -8178,9 +8173,7 @@
               <c:idx val="6"/>
               <c:delete val="1"/>
               <c:extLst>
-                <c:ext xmlns:c15="http://schemas.microsoft.com/office/drawing/2012/chart" uri="{CE6537A1-D6FC-4f65-9D91-7224C49458BB}">
-                  <c15:layout/>
-                </c:ext>
+                <c:ext xmlns:c15="http://schemas.microsoft.com/office/drawing/2012/chart" uri="{CE6537A1-D6FC-4f65-9D91-7224C49458BB}"/>
                 <c:ext xmlns:c16="http://schemas.microsoft.com/office/drawing/2014/chart" uri="{C3380CC4-5D6E-409C-BE32-E72D297353CC}">
                   <c16:uniqueId val="{0000000D-FB8C-4E8F-B08B-D99E0706AF54}"/>
                 </c:ext>
@@ -8236,9 +8229,7 @@
               <c:idx val="9"/>
               <c:delete val="1"/>
               <c:extLst>
-                <c:ext xmlns:c15="http://schemas.microsoft.com/office/drawing/2012/chart" uri="{CE6537A1-D6FC-4f65-9D91-7224C49458BB}">
-                  <c15:layout/>
-                </c:ext>
+                <c:ext xmlns:c15="http://schemas.microsoft.com/office/drawing/2012/chart" uri="{CE6537A1-D6FC-4f65-9D91-7224C49458BB}"/>
                 <c:ext xmlns:c16="http://schemas.microsoft.com/office/drawing/2014/chart" uri="{C3380CC4-5D6E-409C-BE32-E72D297353CC}">
                   <c16:uniqueId val="{00000013-FB8C-4E8F-B08B-D99E0706AF54}"/>
                 </c:ext>
@@ -8248,9 +8239,7 @@
               <c:idx val="10"/>
               <c:delete val="1"/>
               <c:extLst>
-                <c:ext xmlns:c15="http://schemas.microsoft.com/office/drawing/2012/chart" uri="{CE6537A1-D6FC-4f65-9D91-7224C49458BB}">
-                  <c15:layout/>
-                </c:ext>
+                <c:ext xmlns:c15="http://schemas.microsoft.com/office/drawing/2012/chart" uri="{CE6537A1-D6FC-4f65-9D91-7224C49458BB}"/>
                 <c:ext xmlns:c16="http://schemas.microsoft.com/office/drawing/2014/chart" uri="{C3380CC4-5D6E-409C-BE32-E72D297353CC}">
                   <c16:uniqueId val="{00000015-FB8C-4E8F-B08B-D99E0706AF54}"/>
                 </c:ext>
@@ -9529,9 +9518,7 @@
               <c:idx val="6"/>
               <c:delete val="1"/>
               <c:extLst>
-                <c:ext xmlns:c15="http://schemas.microsoft.com/office/drawing/2012/chart" uri="{CE6537A1-D6FC-4f65-9D91-7224C49458BB}">
-                  <c15:layout/>
-                </c:ext>
+                <c:ext xmlns:c15="http://schemas.microsoft.com/office/drawing/2012/chart" uri="{CE6537A1-D6FC-4f65-9D91-7224C49458BB}"/>
                 <c:ext xmlns:c16="http://schemas.microsoft.com/office/drawing/2014/chart" uri="{C3380CC4-5D6E-409C-BE32-E72D297353CC}">
                   <c16:uniqueId val="{0000000D-EE3C-4FDE-94F8-B4979E43AC66}"/>
                 </c:ext>
@@ -9541,9 +9528,7 @@
               <c:idx val="8"/>
               <c:delete val="1"/>
               <c:extLst>
-                <c:ext xmlns:c15="http://schemas.microsoft.com/office/drawing/2012/chart" uri="{CE6537A1-D6FC-4f65-9D91-7224C49458BB}">
-                  <c15:layout/>
-                </c:ext>
+                <c:ext xmlns:c15="http://schemas.microsoft.com/office/drawing/2012/chart" uri="{CE6537A1-D6FC-4f65-9D91-7224C49458BB}"/>
                 <c:ext xmlns:c16="http://schemas.microsoft.com/office/drawing/2014/chart" uri="{C3380CC4-5D6E-409C-BE32-E72D297353CC}">
                   <c16:uniqueId val="{00000011-EE3C-4FDE-94F8-B4979E43AC66}"/>
                 </c:ext>
@@ -9553,9 +9538,7 @@
               <c:idx val="11"/>
               <c:delete val="1"/>
               <c:extLst>
-                <c:ext xmlns:c15="http://schemas.microsoft.com/office/drawing/2012/chart" uri="{CE6537A1-D6FC-4f65-9D91-7224C49458BB}">
-                  <c15:layout/>
-                </c:ext>
+                <c:ext xmlns:c15="http://schemas.microsoft.com/office/drawing/2012/chart" uri="{CE6537A1-D6FC-4f65-9D91-7224C49458BB}"/>
                 <c:ext xmlns:c16="http://schemas.microsoft.com/office/drawing/2014/chart" uri="{C3380CC4-5D6E-409C-BE32-E72D297353CC}">
                   <c16:uniqueId val="{00000017-EE3C-4FDE-94F8-B4979E43AC66}"/>
                 </c:ext>
@@ -14903,7 +14886,7 @@
           <a:p>
             <a:fld id="{05FE6BD2-E808-42AA-8E61-6178D4EA6ADE}" type="datetimeFigureOut">
               <a:rPr lang="en-GB" smtClean="0"/>
-              <a:t>21/08/2022</a:t>
+              <a:t>22/08/2022</a:t>
             </a:fld>
             <a:endParaRPr lang="en-GB"/>
           </a:p>
@@ -15073,7 +15056,7 @@
           <a:p>
             <a:fld id="{05FE6BD2-E808-42AA-8E61-6178D4EA6ADE}" type="datetimeFigureOut">
               <a:rPr lang="en-GB" smtClean="0"/>
-              <a:t>21/08/2022</a:t>
+              <a:t>22/08/2022</a:t>
             </a:fld>
             <a:endParaRPr lang="en-GB"/>
           </a:p>
@@ -15253,7 +15236,7 @@
           <a:p>
             <a:fld id="{05FE6BD2-E808-42AA-8E61-6178D4EA6ADE}" type="datetimeFigureOut">
               <a:rPr lang="en-GB" smtClean="0"/>
-              <a:t>21/08/2022</a:t>
+              <a:t>22/08/2022</a:t>
             </a:fld>
             <a:endParaRPr lang="en-GB"/>
           </a:p>
@@ -15423,7 +15406,7 @@
           <a:p>
             <a:fld id="{05FE6BD2-E808-42AA-8E61-6178D4EA6ADE}" type="datetimeFigureOut">
               <a:rPr lang="en-GB" smtClean="0"/>
-              <a:t>21/08/2022</a:t>
+              <a:t>22/08/2022</a:t>
             </a:fld>
             <a:endParaRPr lang="en-GB"/>
           </a:p>
@@ -15669,7 +15652,7 @@
           <a:p>
             <a:fld id="{05FE6BD2-E808-42AA-8E61-6178D4EA6ADE}" type="datetimeFigureOut">
               <a:rPr lang="en-GB" smtClean="0"/>
-              <a:t>21/08/2022</a:t>
+              <a:t>22/08/2022</a:t>
             </a:fld>
             <a:endParaRPr lang="en-GB"/>
           </a:p>
@@ -15901,7 +15884,7 @@
           <a:p>
             <a:fld id="{05FE6BD2-E808-42AA-8E61-6178D4EA6ADE}" type="datetimeFigureOut">
               <a:rPr lang="en-GB" smtClean="0"/>
-              <a:t>21/08/2022</a:t>
+              <a:t>22/08/2022</a:t>
             </a:fld>
             <a:endParaRPr lang="en-GB"/>
           </a:p>
@@ -16268,7 +16251,7 @@
           <a:p>
             <a:fld id="{05FE6BD2-E808-42AA-8E61-6178D4EA6ADE}" type="datetimeFigureOut">
               <a:rPr lang="en-GB" smtClean="0"/>
-              <a:t>21/08/2022</a:t>
+              <a:t>22/08/2022</a:t>
             </a:fld>
             <a:endParaRPr lang="en-GB"/>
           </a:p>
@@ -16386,7 +16369,7 @@
           <a:p>
             <a:fld id="{05FE6BD2-E808-42AA-8E61-6178D4EA6ADE}" type="datetimeFigureOut">
               <a:rPr lang="en-GB" smtClean="0"/>
-              <a:t>21/08/2022</a:t>
+              <a:t>22/08/2022</a:t>
             </a:fld>
             <a:endParaRPr lang="en-GB"/>
           </a:p>
@@ -16481,7 +16464,7 @@
           <a:p>
             <a:fld id="{05FE6BD2-E808-42AA-8E61-6178D4EA6ADE}" type="datetimeFigureOut">
               <a:rPr lang="en-GB" smtClean="0"/>
-              <a:t>21/08/2022</a:t>
+              <a:t>22/08/2022</a:t>
             </a:fld>
             <a:endParaRPr lang="en-GB"/>
           </a:p>
@@ -16758,7 +16741,7 @@
           <a:p>
             <a:fld id="{05FE6BD2-E808-42AA-8E61-6178D4EA6ADE}" type="datetimeFigureOut">
               <a:rPr lang="en-GB" smtClean="0"/>
-              <a:t>21/08/2022</a:t>
+              <a:t>22/08/2022</a:t>
             </a:fld>
             <a:endParaRPr lang="en-GB"/>
           </a:p>
@@ -17011,7 +16994,7 @@
           <a:p>
             <a:fld id="{05FE6BD2-E808-42AA-8E61-6178D4EA6ADE}" type="datetimeFigureOut">
               <a:rPr lang="en-GB" smtClean="0"/>
-              <a:t>21/08/2022</a:t>
+              <a:t>22/08/2022</a:t>
             </a:fld>
             <a:endParaRPr lang="en-GB"/>
           </a:p>
@@ -17224,7 +17207,7 @@
           <a:p>
             <a:fld id="{05FE6BD2-E808-42AA-8E61-6178D4EA6ADE}" type="datetimeFigureOut">
               <a:rPr lang="en-GB" smtClean="0"/>
-              <a:t>21/08/2022</a:t>
+              <a:t>22/08/2022</a:t>
             </a:fld>
             <a:endParaRPr lang="en-GB"/>
           </a:p>
@@ -18087,6 +18070,793 @@
           </a:extLst>
         </p:spPr>
       </p:pic>
+      <p:sp>
+        <p:nvSpPr>
+          <p:cNvPr id="4" name="CuadroTexto 3"/>
+          <p:cNvSpPr txBox="1"/>
+          <p:nvPr/>
+        </p:nvSpPr>
+        <p:spPr>
+          <a:xfrm>
+            <a:off x="2016757" y="2307240"/>
+            <a:ext cx="9776100" cy="4770537"/>
+          </a:xfrm>
+          <a:prstGeom prst="rect">
+            <a:avLst/>
+          </a:prstGeom>
+          <a:noFill/>
+        </p:spPr>
+        <p:txBody>
+          <a:bodyPr wrap="square" rtlCol="0">
+            <a:spAutoFit/>
+          </a:bodyPr>
+          <a:lstStyle/>
+          <a:p>
+            <a:pPr marL="285750" indent="-285750">
+              <a:lnSpc>
+                <a:spcPct val="150000"/>
+              </a:lnSpc>
+              <a:buFont typeface="Arial" panose="020B0604020202020204" pitchFamily="34" charset="0"/>
+              <a:buChar char="•"/>
+            </a:pPr>
+            <a:r>
+              <a:rPr lang="es-ES" sz="2000" b="1" dirty="0" smtClean="0">
+                <a:ln w="0"/>
+                <a:effectLst>
+                  <a:outerShdw blurRad="38100" dist="19050" dir="2700000" algn="tl" rotWithShape="0">
+                    <a:schemeClr val="dk1">
+                      <a:alpha val="40000"/>
+                    </a:schemeClr>
+                  </a:outerShdw>
+                </a:effectLst>
+              </a:rPr>
+              <a:t>Exploración</a:t>
+            </a:r>
+          </a:p>
+          <a:p>
+            <a:pPr marL="285750" indent="-285750">
+              <a:lnSpc>
+                <a:spcPct val="150000"/>
+              </a:lnSpc>
+              <a:buFont typeface="Arial" panose="020B0604020202020204" pitchFamily="34" charset="0"/>
+              <a:buChar char="•"/>
+            </a:pPr>
+            <a:r>
+              <a:rPr lang="es-ES" sz="2000" b="1" dirty="0" smtClean="0">
+                <a:ln w="0"/>
+                <a:effectLst>
+                  <a:outerShdw blurRad="38100" dist="19050" dir="2700000" algn="tl" rotWithShape="0">
+                    <a:schemeClr val="dk1">
+                      <a:alpha val="40000"/>
+                    </a:schemeClr>
+                  </a:outerShdw>
+                </a:effectLst>
+              </a:rPr>
+              <a:t>Corrección Columnas</a:t>
+            </a:r>
+          </a:p>
+          <a:p>
+            <a:pPr marL="285750" indent="-285750">
+              <a:lnSpc>
+                <a:spcPct val="150000"/>
+              </a:lnSpc>
+              <a:buFont typeface="Arial" panose="020B0604020202020204" pitchFamily="34" charset="0"/>
+              <a:buChar char="•"/>
+            </a:pPr>
+            <a:r>
+              <a:rPr lang="es-ES" sz="2000" b="1" dirty="0" smtClean="0">
+                <a:ln w="0"/>
+                <a:effectLst>
+                  <a:outerShdw blurRad="38100" dist="19050" dir="2700000" algn="tl" rotWithShape="0">
+                    <a:schemeClr val="dk1">
+                      <a:alpha val="40000"/>
+                    </a:schemeClr>
+                  </a:outerShdw>
+                </a:effectLst>
+              </a:rPr>
+              <a:t>Eliminación Duplicador (19.441)</a:t>
+            </a:r>
+          </a:p>
+          <a:p>
+            <a:pPr marL="285750" indent="-285750">
+              <a:lnSpc>
+                <a:spcPct val="150000"/>
+              </a:lnSpc>
+              <a:buFont typeface="Arial" panose="020B0604020202020204" pitchFamily="34" charset="0"/>
+              <a:buChar char="•"/>
+            </a:pPr>
+            <a:r>
+              <a:rPr lang="es-ES" sz="2000" b="1" dirty="0" smtClean="0">
+                <a:ln w="0"/>
+                <a:effectLst>
+                  <a:outerShdw blurRad="38100" dist="19050" dir="2700000" algn="tl" rotWithShape="0">
+                    <a:schemeClr val="dk1">
+                      <a:alpha val="40000"/>
+                    </a:schemeClr>
+                  </a:outerShdw>
+                </a:effectLst>
+              </a:rPr>
+              <a:t>Corrección Valores Nulos (“UNKNOWN”)</a:t>
+            </a:r>
+          </a:p>
+          <a:p>
+            <a:pPr marL="285750" indent="-285750">
+              <a:lnSpc>
+                <a:spcPct val="150000"/>
+              </a:lnSpc>
+              <a:buFont typeface="Arial" panose="020B0604020202020204" pitchFamily="34" charset="0"/>
+              <a:buChar char="•"/>
+            </a:pPr>
+            <a:r>
+              <a:rPr lang="es-ES" sz="2000" b="1" dirty="0" smtClean="0">
+                <a:ln w="0"/>
+                <a:effectLst>
+                  <a:outerShdw blurRad="38100" dist="19050" dir="2700000" algn="tl" rotWithShape="0">
+                    <a:schemeClr val="dk1">
+                      <a:alpha val="40000"/>
+                    </a:schemeClr>
+                  </a:outerShdw>
+                </a:effectLst>
+              </a:rPr>
+              <a:t>Selección de Variables (Columnas) Importantes [SUBSET]</a:t>
+            </a:r>
+          </a:p>
+          <a:p>
+            <a:pPr marL="285750" indent="-285750">
+              <a:lnSpc>
+                <a:spcPct val="150000"/>
+              </a:lnSpc>
+              <a:buFont typeface="Arial" panose="020B0604020202020204" pitchFamily="34" charset="0"/>
+              <a:buChar char="•"/>
+            </a:pPr>
+            <a:r>
+              <a:rPr lang="es-ES" sz="2000" b="1" dirty="0" smtClean="0">
+                <a:ln w="0"/>
+                <a:effectLst>
+                  <a:outerShdw blurRad="38100" dist="19050" dir="2700000" algn="tl" rotWithShape="0">
+                    <a:schemeClr val="dk1">
+                      <a:alpha val="40000"/>
+                    </a:schemeClr>
+                  </a:outerShdw>
+                </a:effectLst>
+              </a:rPr>
+              <a:t>Limpieza de Datos</a:t>
+            </a:r>
+          </a:p>
+          <a:p>
+            <a:pPr marL="285750" indent="-285750">
+              <a:lnSpc>
+                <a:spcPct val="150000"/>
+              </a:lnSpc>
+              <a:buFont typeface="Arial" panose="020B0604020202020204" pitchFamily="34" charset="0"/>
+              <a:buChar char="•"/>
+            </a:pPr>
+            <a:r>
+              <a:rPr lang="es-ES" sz="2000" b="1" dirty="0" smtClean="0">
+                <a:ln w="0"/>
+                <a:effectLst>
+                  <a:outerShdw blurRad="38100" dist="19050" dir="2700000" algn="tl" rotWithShape="0">
+                    <a:schemeClr val="dk1">
+                      <a:alpha val="40000"/>
+                    </a:schemeClr>
+                  </a:outerShdw>
+                </a:effectLst>
+              </a:rPr>
+              <a:t>Eliminación Duplicados y registros con muchos UNKNOWN en el SUBSET.</a:t>
+            </a:r>
+          </a:p>
+          <a:p>
+            <a:pPr marL="285750" indent="-285750">
+              <a:lnSpc>
+                <a:spcPct val="150000"/>
+              </a:lnSpc>
+              <a:buFont typeface="Arial" panose="020B0604020202020204" pitchFamily="34" charset="0"/>
+              <a:buChar char="•"/>
+            </a:pPr>
+            <a:r>
+              <a:rPr lang="es-ES" sz="2000" b="1" dirty="0" smtClean="0">
+                <a:ln w="0"/>
+                <a:effectLst>
+                  <a:outerShdw blurRad="38100" dist="19050" dir="2700000" algn="tl" rotWithShape="0">
+                    <a:schemeClr val="dk1">
+                      <a:alpha val="40000"/>
+                    </a:schemeClr>
+                  </a:outerShdw>
+                </a:effectLst>
+              </a:rPr>
+              <a:t>Exportación y Análisis</a:t>
+            </a:r>
+          </a:p>
+          <a:p>
+            <a:pPr marL="285750" indent="-285750">
+              <a:lnSpc>
+                <a:spcPct val="200000"/>
+              </a:lnSpc>
+              <a:buFont typeface="Arial" panose="020B0604020202020204" pitchFamily="34" charset="0"/>
+              <a:buChar char="•"/>
+            </a:pPr>
+            <a:endParaRPr lang="es-ES" sz="1600" b="1" dirty="0" smtClean="0">
+              <a:ln w="0"/>
+              <a:effectLst>
+                <a:outerShdw blurRad="38100" dist="19050" dir="2700000" algn="tl" rotWithShape="0">
+                  <a:schemeClr val="dk1">
+                    <a:alpha val="40000"/>
+                  </a:schemeClr>
+                </a:outerShdw>
+              </a:effectLst>
+            </a:endParaRPr>
+          </a:p>
+          <a:p>
+            <a:pPr>
+              <a:lnSpc>
+                <a:spcPct val="200000"/>
+              </a:lnSpc>
+            </a:pPr>
+            <a:endParaRPr lang="en-GB" sz="1600" b="1" dirty="0">
+              <a:ln w="0"/>
+              <a:effectLst>
+                <a:outerShdw blurRad="38100" dist="19050" dir="2700000" algn="tl" rotWithShape="0">
+                  <a:schemeClr val="dk1">
+                    <a:alpha val="40000"/>
+                  </a:schemeClr>
+                </a:outerShdw>
+              </a:effectLst>
+            </a:endParaRPr>
+          </a:p>
+        </p:txBody>
+      </p:sp>
+      <p:sp>
+        <p:nvSpPr>
+          <p:cNvPr id="5" name="CuadroTexto 4"/>
+          <p:cNvSpPr txBox="1"/>
+          <p:nvPr/>
+        </p:nvSpPr>
+        <p:spPr>
+          <a:xfrm>
+            <a:off x="4014769" y="1342140"/>
+            <a:ext cx="4162459" cy="523220"/>
+          </a:xfrm>
+          <a:prstGeom prst="rect">
+            <a:avLst/>
+          </a:prstGeom>
+          <a:noFill/>
+        </p:spPr>
+        <p:txBody>
+          <a:bodyPr wrap="square" rtlCol="0">
+            <a:spAutoFit/>
+          </a:bodyPr>
+          <a:lstStyle/>
+          <a:p>
+            <a:r>
+              <a:rPr lang="es-ES" sz="2800" b="1" dirty="0" smtClean="0">
+                <a:solidFill>
+                  <a:schemeClr val="bg1"/>
+                </a:solidFill>
+              </a:rPr>
+              <a:t>RESUMEN DATA CLEANING</a:t>
+            </a:r>
+            <a:endParaRPr lang="en-GB" sz="2800" b="1" dirty="0">
+              <a:solidFill>
+                <a:schemeClr val="bg1"/>
+              </a:solidFill>
+            </a:endParaRPr>
+          </a:p>
+        </p:txBody>
+      </p:sp>
+      <p:pic>
+        <p:nvPicPr>
+          <p:cNvPr id="6" name="Picture 4" descr="Columnas Templo Arquitectura - Gráficos vectoriales gratis en Pixabay"/>
+          <p:cNvPicPr>
+            <a:picLocks noChangeAspect="1" noChangeArrowheads="1"/>
+          </p:cNvPicPr>
+          <p:nvPr/>
+        </p:nvPicPr>
+        <p:blipFill>
+          <a:blip r:embed="rId5" cstate="print">
+            <a:extLst>
+              <a:ext uri="{28A0092B-C50C-407E-A947-70E740481C1C}">
+                <a14:useLocalDpi xmlns:a14="http://schemas.microsoft.com/office/drawing/2010/main" val="0"/>
+              </a:ext>
+            </a:extLst>
+          </a:blip>
+          <a:srcRect/>
+          <a:stretch>
+            <a:fillRect/>
+          </a:stretch>
+        </p:blipFill>
+        <p:spPr bwMode="auto">
+          <a:xfrm>
+            <a:off x="4704466" y="2664823"/>
+            <a:ext cx="933562" cy="574724"/>
+          </a:xfrm>
+          <a:prstGeom prst="rect">
+            <a:avLst/>
+          </a:prstGeom>
+          <a:noFill/>
+          <a:extLst>
+            <a:ext uri="{909E8E84-426E-40DD-AFC4-6F175D3DCCD1}">
+              <a14:hiddenFill xmlns:a14="http://schemas.microsoft.com/office/drawing/2010/main">
+                <a:solidFill>
+                  <a:srgbClr val="FFFFFF"/>
+                </a:solidFill>
+              </a14:hiddenFill>
+            </a:ext>
+          </a:extLst>
+        </p:spPr>
+      </p:pic>
+      <p:pic>
+        <p:nvPicPr>
+          <p:cNvPr id="1030" name="Picture 6" descr="Perro con la lupa foto de archivo. Imagen de animal, crimen - 28220368"/>
+          <p:cNvPicPr>
+            <a:picLocks noChangeAspect="1" noChangeArrowheads="1"/>
+          </p:cNvPicPr>
+          <p:nvPr/>
+        </p:nvPicPr>
+        <p:blipFill rotWithShape="1">
+          <a:blip r:embed="rId6" cstate="print">
+            <a:extLst>
+              <a:ext uri="{BEBA8EAE-BF5A-486C-A8C5-ECC9F3942E4B}">
+                <a14:imgProps xmlns:a14="http://schemas.microsoft.com/office/drawing/2010/main">
+                  <a14:imgLayer r:embed="rId7">
+                    <a14:imgEffect>
+                      <a14:backgroundRemoval t="4500" b="90000" l="10000" r="90000">
+                        <a14:foregroundMark x1="35000" y1="46250" x2="35000" y2="46250"/>
+                        <a14:foregroundMark x1="37000" y1="47875" x2="35375" y2="41625"/>
+                        <a14:foregroundMark x1="33750" y1="40500" x2="33750" y2="40500"/>
+                        <a14:foregroundMark x1="32375" y1="39625" x2="32375" y2="39625"/>
+                        <a14:foregroundMark x1="83000" y1="47875" x2="83000" y2="47875"/>
+                        <a14:foregroundMark x1="86125" y1="50375" x2="81250" y2="45375"/>
+                        <a14:foregroundMark x1="82500" y1="63625" x2="60750" y2="74375"/>
+                        <a14:foregroundMark x1="63625" y1="59375" x2="29000" y2="74250"/>
+                        <a14:foregroundMark x1="30500" y1="57625" x2="21250" y2="75250"/>
+                        <a14:foregroundMark x1="30750" y1="54500" x2="30375" y2="56625"/>
+                        <a14:foregroundMark x1="59375" y1="45750" x2="56875" y2="51375"/>
+                      </a14:backgroundRemoval>
+                    </a14:imgEffect>
+                  </a14:imgLayer>
+                </a14:imgProps>
+              </a:ext>
+              <a:ext uri="{28A0092B-C50C-407E-A947-70E740481C1C}">
+                <a14:useLocalDpi xmlns:a14="http://schemas.microsoft.com/office/drawing/2010/main" val="0"/>
+              </a:ext>
+            </a:extLst>
+          </a:blip>
+          <a:srcRect b="25429"/>
+          <a:stretch/>
+        </p:blipFill>
+        <p:spPr bwMode="auto">
+          <a:xfrm>
+            <a:off x="3460977" y="2001838"/>
+            <a:ext cx="1107584" cy="825941"/>
+          </a:xfrm>
+          <a:prstGeom prst="rect">
+            <a:avLst/>
+          </a:prstGeom>
+          <a:noFill/>
+          <a:extLst>
+            <a:ext uri="{909E8E84-426E-40DD-AFC4-6F175D3DCCD1}">
+              <a14:hiddenFill xmlns:a14="http://schemas.microsoft.com/office/drawing/2010/main">
+                <a:solidFill>
+                  <a:srgbClr val="FFFFFF"/>
+                </a:solidFill>
+              </a14:hiddenFill>
+            </a:ext>
+          </a:extLst>
+        </p:spPr>
+      </p:pic>
+      <p:pic>
+        <p:nvPicPr>
+          <p:cNvPr id="1032" name="Picture 8" descr="Spider man meme, spider , man , spiderman , pointing , meme - PicMix"/>
+          <p:cNvPicPr>
+            <a:picLocks noChangeAspect="1" noChangeArrowheads="1"/>
+          </p:cNvPicPr>
+          <p:nvPr/>
+        </p:nvPicPr>
+        <p:blipFill>
+          <a:blip r:embed="rId8" cstate="print">
+            <a:extLst>
+              <a:ext uri="{28A0092B-C50C-407E-A947-70E740481C1C}">
+                <a14:useLocalDpi xmlns:a14="http://schemas.microsoft.com/office/drawing/2010/main" val="0"/>
+              </a:ext>
+            </a:extLst>
+          </a:blip>
+          <a:srcRect/>
+          <a:stretch>
+            <a:fillRect/>
+          </a:stretch>
+        </p:blipFill>
+        <p:spPr bwMode="auto">
+          <a:xfrm>
+            <a:off x="5921110" y="2832076"/>
+            <a:ext cx="1149478" cy="848315"/>
+          </a:xfrm>
+          <a:prstGeom prst="rect">
+            <a:avLst/>
+          </a:prstGeom>
+          <a:noFill/>
+          <a:extLst>
+            <a:ext uri="{909E8E84-426E-40DD-AFC4-6F175D3DCCD1}">
+              <a14:hiddenFill xmlns:a14="http://schemas.microsoft.com/office/drawing/2010/main">
+                <a:solidFill>
+                  <a:srgbClr val="FFFFFF"/>
+                </a:solidFill>
+              </a14:hiddenFill>
+            </a:ext>
+          </a:extLst>
+        </p:spPr>
+      </p:pic>
+      <p:pic>
+        <p:nvPicPr>
+          <p:cNvPr id="1034" name="Picture 10" descr="Cancelar | Iconos, Crear iconos, Icono gratis"/>
+          <p:cNvPicPr>
+            <a:picLocks noChangeAspect="1" noChangeArrowheads="1"/>
+          </p:cNvPicPr>
+          <p:nvPr/>
+        </p:nvPicPr>
+        <p:blipFill>
+          <a:blip r:embed="rId9" cstate="print">
+            <a:extLst>
+              <a:ext uri="{28A0092B-C50C-407E-A947-70E740481C1C}">
+                <a14:useLocalDpi xmlns:a14="http://schemas.microsoft.com/office/drawing/2010/main" val="0"/>
+              </a:ext>
+            </a:extLst>
+          </a:blip>
+          <a:srcRect/>
+          <a:stretch>
+            <a:fillRect/>
+          </a:stretch>
+        </p:blipFill>
+        <p:spPr bwMode="auto">
+          <a:xfrm>
+            <a:off x="6736667" y="3810785"/>
+            <a:ext cx="333921" cy="333921"/>
+          </a:xfrm>
+          <a:prstGeom prst="rect">
+            <a:avLst/>
+          </a:prstGeom>
+          <a:noFill/>
+          <a:extLst>
+            <a:ext uri="{909E8E84-426E-40DD-AFC4-6F175D3DCCD1}">
+              <a14:hiddenFill xmlns:a14="http://schemas.microsoft.com/office/drawing/2010/main">
+                <a:solidFill>
+                  <a:srgbClr val="FFFFFF"/>
+                </a:solidFill>
+              </a14:hiddenFill>
+            </a:ext>
+          </a:extLst>
+        </p:spPr>
+      </p:pic>
+      <p:pic>
+        <p:nvPicPr>
+          <p:cNvPr id="1036" name="Picture 12" descr="Vippng png transparente | PNG All"/>
+          <p:cNvPicPr>
+            <a:picLocks noChangeAspect="1" noChangeArrowheads="1"/>
+          </p:cNvPicPr>
+          <p:nvPr/>
+        </p:nvPicPr>
+        <p:blipFill>
+          <a:blip r:embed="rId10" cstate="print">
+            <a:extLst>
+              <a:ext uri="{28A0092B-C50C-407E-A947-70E740481C1C}">
+                <a14:useLocalDpi xmlns:a14="http://schemas.microsoft.com/office/drawing/2010/main" val="0"/>
+              </a:ext>
+            </a:extLst>
+          </a:blip>
+          <a:srcRect/>
+          <a:stretch>
+            <a:fillRect/>
+          </a:stretch>
+        </p:blipFill>
+        <p:spPr bwMode="auto">
+          <a:xfrm>
+            <a:off x="8424772" y="4251714"/>
+            <a:ext cx="838782" cy="356410"/>
+          </a:xfrm>
+          <a:prstGeom prst="rect">
+            <a:avLst/>
+          </a:prstGeom>
+          <a:noFill/>
+          <a:extLst>
+            <a:ext uri="{909E8E84-426E-40DD-AFC4-6F175D3DCCD1}">
+              <a14:hiddenFill xmlns:a14="http://schemas.microsoft.com/office/drawing/2010/main">
+                <a:solidFill>
+                  <a:srgbClr val="FFFFFF"/>
+                </a:solidFill>
+              </a14:hiddenFill>
+            </a:ext>
+          </a:extLst>
+        </p:spPr>
+      </p:pic>
+      <p:pic>
+        <p:nvPicPr>
+          <p:cNvPr id="1038" name="Picture 14" descr="Limpieza - Iconos gratis de médico"/>
+          <p:cNvPicPr>
+            <a:picLocks noChangeAspect="1" noChangeArrowheads="1"/>
+          </p:cNvPicPr>
+          <p:nvPr/>
+        </p:nvPicPr>
+        <p:blipFill>
+          <a:blip r:embed="rId11" cstate="print">
+            <a:extLst>
+              <a:ext uri="{28A0092B-C50C-407E-A947-70E740481C1C}">
+                <a14:useLocalDpi xmlns:a14="http://schemas.microsoft.com/office/drawing/2010/main" val="0"/>
+              </a:ext>
+            </a:extLst>
+          </a:blip>
+          <a:srcRect/>
+          <a:stretch>
+            <a:fillRect/>
+          </a:stretch>
+        </p:blipFill>
+        <p:spPr bwMode="auto">
+          <a:xfrm>
+            <a:off x="4376325" y="4651570"/>
+            <a:ext cx="562960" cy="562960"/>
+          </a:xfrm>
+          <a:prstGeom prst="rect">
+            <a:avLst/>
+          </a:prstGeom>
+          <a:noFill/>
+          <a:extLst>
+            <a:ext uri="{909E8E84-426E-40DD-AFC4-6F175D3DCCD1}">
+              <a14:hiddenFill xmlns:a14="http://schemas.microsoft.com/office/drawing/2010/main">
+                <a:solidFill>
+                  <a:srgbClr val="FFFFFF"/>
+                </a:solidFill>
+              </a14:hiddenFill>
+            </a:ext>
+          </a:extLst>
+        </p:spPr>
+      </p:pic>
+      <p:pic>
+        <p:nvPicPr>
+          <p:cNvPr id="18" name="Picture 10" descr="Cancelar | Iconos, Crear iconos, Icono gratis"/>
+          <p:cNvPicPr>
+            <a:picLocks noChangeAspect="1" noChangeArrowheads="1"/>
+          </p:cNvPicPr>
+          <p:nvPr/>
+        </p:nvPicPr>
+        <p:blipFill>
+          <a:blip r:embed="rId9" cstate="print">
+            <a:extLst>
+              <a:ext uri="{28A0092B-C50C-407E-A947-70E740481C1C}">
+                <a14:useLocalDpi xmlns:a14="http://schemas.microsoft.com/office/drawing/2010/main" val="0"/>
+              </a:ext>
+            </a:extLst>
+          </a:blip>
+          <a:srcRect/>
+          <a:stretch>
+            <a:fillRect/>
+          </a:stretch>
+        </p:blipFill>
+        <p:spPr bwMode="auto">
+          <a:xfrm>
+            <a:off x="10134208" y="5182914"/>
+            <a:ext cx="333921" cy="333921"/>
+          </a:xfrm>
+          <a:prstGeom prst="rect">
+            <a:avLst/>
+          </a:prstGeom>
+          <a:noFill/>
+          <a:extLst>
+            <a:ext uri="{909E8E84-426E-40DD-AFC4-6F175D3DCCD1}">
+              <a14:hiddenFill xmlns:a14="http://schemas.microsoft.com/office/drawing/2010/main">
+                <a:solidFill>
+                  <a:srgbClr val="FFFFFF"/>
+                </a:solidFill>
+              </a14:hiddenFill>
+            </a:ext>
+          </a:extLst>
+        </p:spPr>
+      </p:pic>
+      <p:pic>
+        <p:nvPicPr>
+          <p:cNvPr id="1040" name="Picture 16" descr="Análisis - Iconos gratis de seo y web"/>
+          <p:cNvPicPr>
+            <a:picLocks noChangeAspect="1" noChangeArrowheads="1"/>
+          </p:cNvPicPr>
+          <p:nvPr/>
+        </p:nvPicPr>
+        <p:blipFill>
+          <a:blip r:embed="rId12" cstate="print">
+            <a:extLst>
+              <a:ext uri="{28A0092B-C50C-407E-A947-70E740481C1C}">
+                <a14:useLocalDpi xmlns:a14="http://schemas.microsoft.com/office/drawing/2010/main" val="0"/>
+              </a:ext>
+            </a:extLst>
+          </a:blip>
+          <a:srcRect/>
+          <a:stretch>
+            <a:fillRect/>
+          </a:stretch>
+        </p:blipFill>
+        <p:spPr bwMode="auto">
+          <a:xfrm>
+            <a:off x="4795907" y="5563202"/>
+            <a:ext cx="508922" cy="508922"/>
+          </a:xfrm>
+          <a:prstGeom prst="rect">
+            <a:avLst/>
+          </a:prstGeom>
+          <a:noFill/>
+          <a:extLst>
+            <a:ext uri="{909E8E84-426E-40DD-AFC4-6F175D3DCCD1}">
+              <a14:hiddenFill xmlns:a14="http://schemas.microsoft.com/office/drawing/2010/main">
+                <a:solidFill>
+                  <a:srgbClr val="FFFFFF"/>
+                </a:solidFill>
+              </a14:hiddenFill>
+            </a:ext>
+          </a:extLst>
+        </p:spPr>
+      </p:pic>
+    </p:spTree>
+    <p:extLst>
+      <p:ext uri="{BB962C8B-B14F-4D97-AF65-F5344CB8AC3E}">
+        <p14:creationId xmlns:p14="http://schemas.microsoft.com/office/powerpoint/2010/main" val="720657317"/>
+      </p:ext>
+    </p:extLst>
+  </p:cSld>
+  <p:clrMapOvr>
+    <a:masterClrMapping/>
+  </p:clrMapOvr>
+  <p:timing>
+    <p:tnLst>
+      <p:par>
+        <p:cTn id="1" dur="indefinite" restart="never" nodeType="tmRoot"/>
+      </p:par>
+    </p:tnLst>
+  </p:timing>
+</p:sld>
+</file>
+
+<file path=ppt/slides/slide3.xml><?xml version="1.0" encoding="utf-8"?>
+<p:sld xmlns:a="http://schemas.openxmlformats.org/drawingml/2006/main" xmlns:r="http://schemas.openxmlformats.org/officeDocument/2006/relationships" xmlns:p="http://schemas.openxmlformats.org/presentationml/2006/main">
+  <p:cSld>
+    <p:spTree>
+      <p:nvGrpSpPr>
+        <p:cNvPr id="1" name=""/>
+        <p:cNvGrpSpPr/>
+        <p:nvPr/>
+      </p:nvGrpSpPr>
+      <p:grpSpPr>
+        <a:xfrm>
+          <a:off x="0" y="0"/>
+          <a:ext cx="0" cy="0"/>
+          <a:chOff x="0" y="0"/>
+          <a:chExt cx="0" cy="0"/>
+        </a:xfrm>
+      </p:grpSpPr>
+      <p:sp>
+        <p:nvSpPr>
+          <p:cNvPr id="2" name="Título 1"/>
+          <p:cNvSpPr>
+            <a:spLocks noGrp="1"/>
+          </p:cNvSpPr>
+          <p:nvPr>
+            <p:ph type="ctrTitle"/>
+          </p:nvPr>
+        </p:nvSpPr>
+        <p:spPr/>
+        <p:txBody>
+          <a:bodyPr/>
+          <a:lstStyle/>
+          <a:p>
+            <a:endParaRPr lang="en-GB" dirty="0"/>
+          </a:p>
+        </p:txBody>
+      </p:sp>
+      <p:sp>
+        <p:nvSpPr>
+          <p:cNvPr id="3" name="Subtítulo 2"/>
+          <p:cNvSpPr>
+            <a:spLocks noGrp="1"/>
+          </p:cNvSpPr>
+          <p:nvPr>
+            <p:ph type="subTitle" idx="1"/>
+          </p:nvPr>
+        </p:nvSpPr>
+        <p:spPr/>
+        <p:txBody>
+          <a:bodyPr/>
+          <a:lstStyle/>
+          <a:p>
+            <a:endParaRPr lang="en-GB"/>
+          </a:p>
+        </p:txBody>
+      </p:sp>
+      <p:pic>
+        <p:nvPicPr>
+          <p:cNvPr id="1028" name="Picture 4" descr="blue, clear, ocean, underwater, water | Water, Underwater wallpaper,  Underwater"/>
+          <p:cNvPicPr>
+            <a:picLocks noChangeAspect="1" noChangeArrowheads="1"/>
+          </p:cNvPicPr>
+          <p:nvPr/>
+        </p:nvPicPr>
+        <p:blipFill rotWithShape="1">
+          <a:blip r:embed="rId2">
+            <a:extLst>
+              <a:ext uri="{BEBA8EAE-BF5A-486C-A8C5-ECC9F3942E4B}">
+                <a14:imgProps xmlns:a14="http://schemas.microsoft.com/office/drawing/2010/main">
+                  <a14:imgLayer r:embed="rId3">
+                    <a14:imgEffect>
+                      <a14:artisticBlur/>
+                    </a14:imgEffect>
+                    <a14:imgEffect>
+                      <a14:saturation sat="200000"/>
+                    </a14:imgEffect>
+                  </a14:imgLayer>
+                </a14:imgProps>
+              </a:ext>
+              <a:ext uri="{28A0092B-C50C-407E-A947-70E740481C1C}">
+                <a14:useLocalDpi xmlns:a14="http://schemas.microsoft.com/office/drawing/2010/main" val="0"/>
+              </a:ext>
+            </a:extLst>
+          </a:blip>
+          <a:srcRect t="22452"/>
+          <a:stretch/>
+        </p:blipFill>
+        <p:spPr bwMode="auto">
+          <a:xfrm>
+            <a:off x="0" y="-478970"/>
+            <a:ext cx="12192000" cy="7336970"/>
+          </a:xfrm>
+          <a:prstGeom prst="rect">
+            <a:avLst/>
+          </a:prstGeom>
+          <a:noFill/>
+          <a:extLst>
+            <a:ext uri="{909E8E84-426E-40DD-AFC4-6F175D3DCCD1}">
+              <a14:hiddenFill xmlns:a14="http://schemas.microsoft.com/office/drawing/2010/main">
+                <a:solidFill>
+                  <a:srgbClr val="FFFFFF"/>
+                </a:solidFill>
+              </a14:hiddenFill>
+            </a:ext>
+          </a:extLst>
+        </p:spPr>
+      </p:pic>
+      <p:pic>
+        <p:nvPicPr>
+          <p:cNvPr id="6146" name="Picture 2" descr="Mis primeras semanas en Ironhack. Hace ya tres semanas que empecé mi… | by  Victoria Aróstegui | Medium"/>
+          <p:cNvPicPr>
+            <a:picLocks noChangeAspect="1" noChangeArrowheads="1"/>
+          </p:cNvPicPr>
+          <p:nvPr/>
+        </p:nvPicPr>
+        <p:blipFill>
+          <a:blip r:embed="rId4" cstate="print">
+            <a:extLst>
+              <a:ext uri="{28A0092B-C50C-407E-A947-70E740481C1C}">
+                <a14:useLocalDpi xmlns:a14="http://schemas.microsoft.com/office/drawing/2010/main" val="0"/>
+              </a:ext>
+            </a:extLst>
+          </a:blip>
+          <a:srcRect/>
+          <a:stretch>
+            <a:fillRect/>
+          </a:stretch>
+        </p:blipFill>
+        <p:spPr bwMode="auto">
+          <a:xfrm>
+            <a:off x="10464547" y="5482082"/>
+            <a:ext cx="1727453" cy="1151635"/>
+          </a:xfrm>
+          <a:prstGeom prst="rect">
+            <a:avLst/>
+          </a:prstGeom>
+          <a:noFill/>
+          <a:extLst>
+            <a:ext uri="{909E8E84-426E-40DD-AFC4-6F175D3DCCD1}">
+              <a14:hiddenFill xmlns:a14="http://schemas.microsoft.com/office/drawing/2010/main">
+                <a:solidFill>
+                  <a:srgbClr val="FFFFFF"/>
+                </a:solidFill>
+              </a14:hiddenFill>
+            </a:ext>
+          </a:extLst>
+        </p:spPr>
+      </p:pic>
       <p:graphicFrame>
         <p:nvGraphicFramePr>
           <p:cNvPr id="7" name="Gráfico 6"/>
@@ -18287,7 +19057,7 @@
 </p:sld>
 </file>
 
-<file path=ppt/slides/slide3.xml><?xml version="1.0" encoding="utf-8"?>
+<file path=ppt/slides/slide4.xml><?xml version="1.0" encoding="utf-8"?>
 <p:sld xmlns:a="http://schemas.openxmlformats.org/drawingml/2006/main" xmlns:r="http://schemas.openxmlformats.org/officeDocument/2006/relationships" xmlns:p="http://schemas.openxmlformats.org/presentationml/2006/main">
   <p:cSld>
     <p:spTree>
@@ -18540,16 +19310,6 @@
               </a:rPr>
               <a:t>El tiburón blanco es también el más letal.</a:t>
             </a:r>
-            <a:endParaRPr lang="es-ES" dirty="0" smtClean="0">
-              <a:ln w="0"/>
-              <a:effectLst>
-                <a:outerShdw blurRad="38100" dist="19050" dir="2700000" algn="tl" rotWithShape="0">
-                  <a:schemeClr val="dk1">
-                    <a:alpha val="40000"/>
-                  </a:schemeClr>
-                </a:outerShdw>
-              </a:effectLst>
-            </a:endParaRPr>
           </a:p>
           <a:p>
             <a:pPr marL="285750" indent="-285750">
@@ -18601,7 +19361,7 @@
 </p:sld>
 </file>
 
-<file path=ppt/slides/slide4.xml><?xml version="1.0" encoding="utf-8"?>
+<file path=ppt/slides/slide5.xml><?xml version="1.0" encoding="utf-8"?>
 <p:sld xmlns:a="http://schemas.openxmlformats.org/drawingml/2006/main" xmlns:r="http://schemas.openxmlformats.org/officeDocument/2006/relationships" xmlns:p="http://schemas.openxmlformats.org/presentationml/2006/main">
   <p:cSld>
     <p:spTree>
@@ -18835,16 +19595,6 @@
               </a:rPr>
               <a:t>El surf es la actividad que registra mayores ataques.</a:t>
             </a:r>
-            <a:endParaRPr lang="es-ES" dirty="0" smtClean="0">
-              <a:ln w="0"/>
-              <a:effectLst>
-                <a:outerShdw blurRad="38100" dist="19050" dir="2700000" algn="tl" rotWithShape="0">
-                  <a:schemeClr val="dk1">
-                    <a:alpha val="40000"/>
-                  </a:schemeClr>
-                </a:outerShdw>
-              </a:effectLst>
-            </a:endParaRPr>
           </a:p>
           <a:p>
             <a:pPr marL="285750" indent="-285750">
@@ -18864,16 +19614,6 @@
               </a:rPr>
               <a:t>La actividad con mayor letalidad es nadar.</a:t>
             </a:r>
-            <a:endParaRPr lang="es-ES" dirty="0" smtClean="0">
-              <a:ln w="0"/>
-              <a:effectLst>
-                <a:outerShdw blurRad="38100" dist="19050" dir="2700000" algn="tl" rotWithShape="0">
-                  <a:schemeClr val="dk1">
-                    <a:alpha val="40000"/>
-                  </a:schemeClr>
-                </a:outerShdw>
-              </a:effectLst>
-            </a:endParaRPr>
           </a:p>
           <a:p>
             <a:pPr marL="285750" indent="-285750">
@@ -18925,7 +19665,7 @@
 </p:sld>
 </file>
 
-<file path=ppt/slides/slide5.xml><?xml version="1.0" encoding="utf-8"?>
+<file path=ppt/slides/slide6.xml><?xml version="1.0" encoding="utf-8"?>
 <p:sld xmlns:a="http://schemas.openxmlformats.org/drawingml/2006/main" xmlns:r="http://schemas.openxmlformats.org/officeDocument/2006/relationships" xmlns:p="http://schemas.openxmlformats.org/presentationml/2006/main">
   <p:cSld>
     <p:spTree>
@@ -19248,7 +19988,7 @@
 </p:sld>
 </file>
 
-<file path=ppt/slides/slide6.xml><?xml version="1.0" encoding="utf-8"?>
+<file path=ppt/slides/slide7.xml><?xml version="1.0" encoding="utf-8"?>
 <p:sld xmlns:a="http://schemas.openxmlformats.org/drawingml/2006/main" xmlns:r="http://schemas.openxmlformats.org/officeDocument/2006/relationships" xmlns:p="http://schemas.openxmlformats.org/presentationml/2006/main">
   <p:cSld>
     <p:spTree>
@@ -19379,21 +20119,7 @@
                   <a:srgbClr val="FFC000"/>
                 </a:solidFill>
               </a:rPr>
-              <a:t>  </a:t>
-            </a:r>
-            <a:r>
-              <a:rPr lang="es-ES" sz="4000" b="1" dirty="0" smtClean="0">
-                <a:ln w="12700" cmpd="sng">
-                  <a:solidFill>
-                    <a:schemeClr val="accent4"/>
-                  </a:solidFill>
-                  <a:prstDash val="solid"/>
-                </a:ln>
-                <a:solidFill>
-                  <a:srgbClr val="FFC000"/>
-                </a:solidFill>
-              </a:rPr>
-              <a:t>MUCHAS GRACIAS</a:t>
+              <a:t>  MUCHAS GRACIAS</a:t>
             </a:r>
             <a:endParaRPr lang="en-GB" sz="4000" b="1" dirty="0">
               <a:ln w="12700" cmpd="sng">
